--- a/presentations/Presentation_012218.pptx
+++ b/presentations/Presentation_012218.pptx
@@ -3237,25 +3237,1315 @@
           <a:chExt cx="0" cy="0"/>
         </a:xfrm>
       </p:grpSpPr>
-      <p:sp>
-        <p:nvSpPr>
-          <p:cNvPr id="5" name="Rounded Rectangle 4"/>
+      <p:grpSp>
+        <p:nvGrpSpPr>
+          <p:cNvPr id="2" name="Group 1"/>
+          <p:cNvGrpSpPr/>
+          <p:nvPr/>
+        </p:nvGrpSpPr>
+        <p:grpSpPr>
+          <a:xfrm>
+            <a:off x="1814511" y="286703"/>
+            <a:ext cx="9366108" cy="6075997"/>
+            <a:chOff x="1814511" y="286703"/>
+            <a:chExt cx="9366108" cy="6075997"/>
+          </a:xfrm>
+        </p:grpSpPr>
+        <p:sp>
+          <p:nvSpPr>
+            <p:cNvPr id="5" name="Rounded Rectangle 4"/>
+            <p:cNvSpPr/>
+            <p:nvPr/>
+          </p:nvSpPr>
+          <p:spPr>
+            <a:xfrm>
+              <a:off x="5776911" y="286703"/>
+              <a:ext cx="1162050" cy="628650"/>
+            </a:xfrm>
+            <a:prstGeom prst="roundRect">
+              <a:avLst/>
+            </a:prstGeom>
+            <a:solidFill>
+              <a:srgbClr val="9A0000"/>
+            </a:solidFill>
+            <a:ln>
+              <a:noFill/>
+            </a:ln>
+          </p:spPr>
+          <p:style>
+            <a:lnRef idx="2">
+              <a:schemeClr val="accent1">
+                <a:shade val="50000"/>
+              </a:schemeClr>
+            </a:lnRef>
+            <a:fillRef idx="1">
+              <a:schemeClr val="accent1"/>
+            </a:fillRef>
+            <a:effectRef idx="0">
+              <a:schemeClr val="accent1"/>
+            </a:effectRef>
+            <a:fontRef idx="minor">
+              <a:schemeClr val="lt1"/>
+            </a:fontRef>
+          </p:style>
+          <p:txBody>
+            <a:bodyPr rtlCol="0" anchor="ctr"/>
+            <a:lstStyle/>
+            <a:p>
+              <a:pPr algn="ctr"/>
+              <a:r>
+                <a:rPr lang="en-US" sz="2200" dirty="0" smtClean="0">
+                  <a:solidFill>
+                    <a:schemeClr val="bg1"/>
+                  </a:solidFill>
+                  <a:latin typeface="Calibri Light" charset="0"/>
+                  <a:ea typeface="Calibri Light" charset="0"/>
+                  <a:cs typeface="Calibri Light" charset="0"/>
+                </a:rPr>
+                <a:t>SC3.sh</a:t>
+              </a:r>
+              <a:endParaRPr lang="en-US" sz="2200" dirty="0">
+                <a:solidFill>
+                  <a:schemeClr val="bg1"/>
+                </a:solidFill>
+                <a:latin typeface="Calibri Light" charset="0"/>
+                <a:ea typeface="Calibri Light" charset="0"/>
+                <a:cs typeface="Calibri Light" charset="0"/>
+              </a:endParaRPr>
+            </a:p>
+          </p:txBody>
+        </p:sp>
+        <p:sp>
+          <p:nvSpPr>
+            <p:cNvPr id="6" name="Rounded Rectangle 5"/>
+            <p:cNvSpPr/>
+            <p:nvPr/>
+          </p:nvSpPr>
+          <p:spPr>
+            <a:xfrm>
+              <a:off x="1814511" y="2036922"/>
+              <a:ext cx="3962400" cy="628650"/>
+            </a:xfrm>
+            <a:prstGeom prst="roundRect">
+              <a:avLst/>
+            </a:prstGeom>
+            <a:solidFill>
+              <a:srgbClr val="9A0000"/>
+            </a:solidFill>
+            <a:ln>
+              <a:noFill/>
+            </a:ln>
+          </p:spPr>
+          <p:style>
+            <a:lnRef idx="2">
+              <a:schemeClr val="accent1">
+                <a:shade val="50000"/>
+              </a:schemeClr>
+            </a:lnRef>
+            <a:fillRef idx="1">
+              <a:schemeClr val="accent1"/>
+            </a:fillRef>
+            <a:effectRef idx="0">
+              <a:schemeClr val="accent1"/>
+            </a:effectRef>
+            <a:fontRef idx="minor">
+              <a:schemeClr val="lt1"/>
+            </a:fontRef>
+          </p:style>
+          <p:txBody>
+            <a:bodyPr rtlCol="0" anchor="ctr"/>
+            <a:lstStyle/>
+            <a:p>
+              <a:pPr algn="ctr"/>
+              <a:r>
+                <a:rPr lang="en-US" sz="2200" dirty="0" smtClean="0">
+                  <a:solidFill>
+                    <a:schemeClr val="bg1"/>
+                  </a:solidFill>
+                  <a:latin typeface="Calibri Light" charset="0"/>
+                  <a:ea typeface="Calibri Light" charset="0"/>
+                  <a:cs typeface="Calibri Light" charset="0"/>
+                </a:rPr>
+                <a:t>BioProject to SRA and metadata</a:t>
+              </a:r>
+              <a:endParaRPr lang="en-US" sz="2200" dirty="0">
+                <a:solidFill>
+                  <a:schemeClr val="bg1"/>
+                </a:solidFill>
+                <a:latin typeface="Calibri Light" charset="0"/>
+                <a:ea typeface="Calibri Light" charset="0"/>
+                <a:cs typeface="Calibri Light" charset="0"/>
+              </a:endParaRPr>
+            </a:p>
+          </p:txBody>
+        </p:sp>
+        <p:sp>
+          <p:nvSpPr>
+            <p:cNvPr id="7" name="Rounded Rectangle 6"/>
+            <p:cNvSpPr/>
+            <p:nvPr/>
+          </p:nvSpPr>
+          <p:spPr>
+            <a:xfrm>
+              <a:off x="6938961" y="2036922"/>
+              <a:ext cx="3962400" cy="628650"/>
+            </a:xfrm>
+            <a:prstGeom prst="roundRect">
+              <a:avLst/>
+            </a:prstGeom>
+            <a:solidFill>
+              <a:srgbClr val="9A0000"/>
+            </a:solidFill>
+            <a:ln>
+              <a:noFill/>
+            </a:ln>
+          </p:spPr>
+          <p:style>
+            <a:lnRef idx="2">
+              <a:schemeClr val="accent1">
+                <a:shade val="50000"/>
+              </a:schemeClr>
+            </a:lnRef>
+            <a:fillRef idx="1">
+              <a:schemeClr val="accent1"/>
+            </a:fillRef>
+            <a:effectRef idx="0">
+              <a:schemeClr val="accent1"/>
+            </a:effectRef>
+            <a:fontRef idx="minor">
+              <a:schemeClr val="lt1"/>
+            </a:fontRef>
+          </p:style>
+          <p:txBody>
+            <a:bodyPr rtlCol="0" anchor="ctr"/>
+            <a:lstStyle/>
+            <a:p>
+              <a:pPr algn="ctr"/>
+              <a:r>
+                <a:rPr lang="en-US" sz="2200" dirty="0" smtClean="0">
+                  <a:solidFill>
+                    <a:schemeClr val="bg1"/>
+                  </a:solidFill>
+                  <a:latin typeface="Calibri Light" charset="0"/>
+                  <a:ea typeface="Calibri Light" charset="0"/>
+                  <a:cs typeface="Calibri Light" charset="0"/>
+                </a:rPr>
+                <a:t>Gene/Disease to SNPs</a:t>
+              </a:r>
+              <a:endParaRPr lang="en-US" sz="2200" dirty="0">
+                <a:solidFill>
+                  <a:schemeClr val="bg1"/>
+                </a:solidFill>
+                <a:latin typeface="Calibri Light" charset="0"/>
+                <a:ea typeface="Calibri Light" charset="0"/>
+                <a:cs typeface="Calibri Light" charset="0"/>
+              </a:endParaRPr>
+            </a:p>
+          </p:txBody>
+        </p:sp>
+        <p:sp>
+          <p:nvSpPr>
+            <p:cNvPr id="8" name="Rounded Rectangle 7"/>
+            <p:cNvSpPr/>
+            <p:nvPr/>
+          </p:nvSpPr>
+          <p:spPr>
+            <a:xfrm>
+              <a:off x="4276724" y="3524250"/>
+              <a:ext cx="4162425" cy="628650"/>
+            </a:xfrm>
+            <a:prstGeom prst="roundRect">
+              <a:avLst/>
+            </a:prstGeom>
+            <a:solidFill>
+              <a:srgbClr val="9A0000"/>
+            </a:solidFill>
+            <a:ln>
+              <a:noFill/>
+            </a:ln>
+          </p:spPr>
+          <p:style>
+            <a:lnRef idx="2">
+              <a:schemeClr val="accent1">
+                <a:shade val="50000"/>
+              </a:schemeClr>
+            </a:lnRef>
+            <a:fillRef idx="1">
+              <a:schemeClr val="accent1"/>
+            </a:fillRef>
+            <a:effectRef idx="0">
+              <a:schemeClr val="accent1"/>
+            </a:effectRef>
+            <a:fontRef idx="minor">
+              <a:schemeClr val="lt1"/>
+            </a:fontRef>
+          </p:style>
+          <p:txBody>
+            <a:bodyPr rtlCol="0" anchor="ctr"/>
+            <a:lstStyle/>
+            <a:p>
+              <a:pPr algn="ctr"/>
+              <a:r>
+                <a:rPr lang="en-US" sz="2200" dirty="0" smtClean="0">
+                  <a:solidFill>
+                    <a:schemeClr val="bg1"/>
+                  </a:solidFill>
+                  <a:latin typeface="Calibri Light" charset="0"/>
+                  <a:ea typeface="Calibri Light" charset="0"/>
+                  <a:cs typeface="Calibri Light" charset="0"/>
+                </a:rPr>
+                <a:t>PSST</a:t>
+              </a:r>
+              <a:endParaRPr lang="en-US" sz="2200" dirty="0">
+                <a:solidFill>
+                  <a:schemeClr val="bg1"/>
+                </a:solidFill>
+                <a:latin typeface="Calibri Light" charset="0"/>
+                <a:ea typeface="Calibri Light" charset="0"/>
+                <a:cs typeface="Calibri Light" charset="0"/>
+              </a:endParaRPr>
+            </a:p>
+          </p:txBody>
+        </p:sp>
+        <p:sp>
+          <p:nvSpPr>
+            <p:cNvPr id="9" name="Rounded Rectangle 8"/>
+            <p:cNvSpPr/>
+            <p:nvPr/>
+          </p:nvSpPr>
+          <p:spPr>
+            <a:xfrm>
+              <a:off x="2590797" y="5391150"/>
+              <a:ext cx="7524750" cy="971550"/>
+            </a:xfrm>
+            <a:prstGeom prst="roundRect">
+              <a:avLst/>
+            </a:prstGeom>
+            <a:solidFill>
+              <a:srgbClr val="9A0000"/>
+            </a:solidFill>
+            <a:ln>
+              <a:noFill/>
+            </a:ln>
+          </p:spPr>
+          <p:style>
+            <a:lnRef idx="2">
+              <a:schemeClr val="accent1">
+                <a:shade val="50000"/>
+              </a:schemeClr>
+            </a:lnRef>
+            <a:fillRef idx="1">
+              <a:schemeClr val="accent1"/>
+            </a:fillRef>
+            <a:effectRef idx="0">
+              <a:schemeClr val="accent1"/>
+            </a:effectRef>
+            <a:fontRef idx="minor">
+              <a:schemeClr val="lt1"/>
+            </a:fontRef>
+          </p:style>
+          <p:txBody>
+            <a:bodyPr rtlCol="0" anchor="ctr"/>
+            <a:lstStyle/>
+            <a:p>
+              <a:pPr algn="ctr"/>
+              <a:r>
+                <a:rPr lang="en-US" sz="2200" dirty="0" smtClean="0">
+                  <a:solidFill>
+                    <a:schemeClr val="bg1"/>
+                  </a:solidFill>
+                  <a:latin typeface="Calibri Light" charset="0"/>
+                  <a:ea typeface="Calibri Light" charset="0"/>
+                  <a:cs typeface="Calibri Light" charset="0"/>
+                </a:rPr>
+                <a:t>Interactive visualization</a:t>
+              </a:r>
+              <a:r>
+                <a:rPr lang="en-US" sz="2200" dirty="0">
+                  <a:solidFill>
+                    <a:schemeClr val="bg1"/>
+                  </a:solidFill>
+                  <a:latin typeface="Calibri Light" charset="0"/>
+                  <a:ea typeface="Calibri Light" charset="0"/>
+                  <a:cs typeface="Calibri Light" charset="0"/>
+                </a:rPr>
+                <a:t> </a:t>
+              </a:r>
+              <a:r>
+                <a:rPr lang="en-US" sz="2200" dirty="0" smtClean="0">
+                  <a:solidFill>
+                    <a:schemeClr val="bg1"/>
+                  </a:solidFill>
+                  <a:latin typeface="Calibri Light" charset="0"/>
+                  <a:ea typeface="Calibri Light" charset="0"/>
+                  <a:cs typeface="Calibri Light" charset="0"/>
+                </a:rPr>
+                <a:t>of variants</a:t>
+              </a:r>
+            </a:p>
+            <a:p>
+              <a:pPr algn="ctr"/>
+              <a:r>
+                <a:rPr lang="en-US" sz="2200" dirty="0">
+                  <a:solidFill>
+                    <a:schemeClr val="bg1"/>
+                  </a:solidFill>
+                  <a:latin typeface="Calibri Light" charset="0"/>
+                  <a:ea typeface="Calibri Light" charset="0"/>
+                  <a:cs typeface="Calibri Light" charset="0"/>
+                </a:rPr>
+                <a:t>b</a:t>
+              </a:r>
+              <a:r>
+                <a:rPr lang="en-US" sz="2200" dirty="0" smtClean="0">
+                  <a:solidFill>
+                    <a:schemeClr val="bg1"/>
+                  </a:solidFill>
+                  <a:latin typeface="Calibri Light" charset="0"/>
+                  <a:ea typeface="Calibri Light" charset="0"/>
+                  <a:cs typeface="Calibri Light" charset="0"/>
+                </a:rPr>
+                <a:t>y cell type, patient, disease, etc.</a:t>
+              </a:r>
+            </a:p>
+          </p:txBody>
+        </p:sp>
+        <p:sp>
+          <p:nvSpPr>
+            <p:cNvPr id="10" name="Rounded Rectangle 9"/>
+            <p:cNvSpPr/>
+            <p:nvPr/>
+          </p:nvSpPr>
+          <p:spPr>
+            <a:xfrm>
+              <a:off x="6991350" y="3701415"/>
+              <a:ext cx="1285494" cy="280035"/>
+            </a:xfrm>
+            <a:prstGeom prst="roundRect">
+              <a:avLst/>
+            </a:prstGeom>
+            <a:solidFill>
+              <a:srgbClr val="00853C"/>
+            </a:solidFill>
+            <a:ln>
+              <a:noFill/>
+            </a:ln>
+          </p:spPr>
+          <p:style>
+            <a:lnRef idx="2">
+              <a:schemeClr val="accent1">
+                <a:shade val="50000"/>
+              </a:schemeClr>
+            </a:lnRef>
+            <a:fillRef idx="1">
+              <a:schemeClr val="accent1"/>
+            </a:fillRef>
+            <a:effectRef idx="0">
+              <a:schemeClr val="accent1"/>
+            </a:effectRef>
+            <a:fontRef idx="minor">
+              <a:schemeClr val="lt1"/>
+            </a:fontRef>
+          </p:style>
+          <p:txBody>
+            <a:bodyPr rtlCol="0" anchor="ctr"/>
+            <a:lstStyle/>
+            <a:p>
+              <a:pPr algn="ctr"/>
+              <a:r>
+                <a:rPr lang="en-US" sz="1500" dirty="0" smtClean="0">
+                  <a:solidFill>
+                    <a:schemeClr val="bg1"/>
+                  </a:solidFill>
+                  <a:latin typeface="Calibri Light" charset="0"/>
+                  <a:ea typeface="Calibri Light" charset="0"/>
+                  <a:cs typeface="Calibri Light" charset="0"/>
+                </a:rPr>
+                <a:t>Magic-BLAST</a:t>
+              </a:r>
+              <a:endParaRPr lang="en-US" sz="1500" dirty="0">
+                <a:solidFill>
+                  <a:schemeClr val="bg1"/>
+                </a:solidFill>
+                <a:latin typeface="Calibri Light" charset="0"/>
+                <a:ea typeface="Calibri Light" charset="0"/>
+                <a:cs typeface="Calibri Light" charset="0"/>
+              </a:endParaRPr>
+            </a:p>
+          </p:txBody>
+        </p:sp>
+        <p:sp>
+          <p:nvSpPr>
+            <p:cNvPr id="11" name="Can 10"/>
+            <p:cNvSpPr/>
+            <p:nvPr/>
+          </p:nvSpPr>
+          <p:spPr>
+            <a:xfrm>
+              <a:off x="1990724" y="1159669"/>
+              <a:ext cx="723900" cy="706755"/>
+            </a:xfrm>
+            <a:prstGeom prst="can">
+              <a:avLst/>
+            </a:prstGeom>
+            <a:solidFill>
+              <a:srgbClr val="188A8D"/>
+            </a:solidFill>
+          </p:spPr>
+          <p:style>
+            <a:lnRef idx="2">
+              <a:schemeClr val="accent1">
+                <a:shade val="50000"/>
+              </a:schemeClr>
+            </a:lnRef>
+            <a:fillRef idx="1">
+              <a:schemeClr val="accent1"/>
+            </a:fillRef>
+            <a:effectRef idx="0">
+              <a:schemeClr val="accent1"/>
+            </a:effectRef>
+            <a:fontRef idx="minor">
+              <a:schemeClr val="lt1"/>
+            </a:fontRef>
+          </p:style>
+          <p:txBody>
+            <a:bodyPr rtlCol="0" anchor="ctr"/>
+            <a:lstStyle/>
+            <a:p>
+              <a:pPr algn="ctr"/>
+              <a:r>
+                <a:rPr lang="en-US" dirty="0" smtClean="0"/>
+                <a:t>SRA</a:t>
+              </a:r>
+              <a:endParaRPr lang="en-US" dirty="0"/>
+            </a:p>
+          </p:txBody>
+        </p:sp>
+        <p:sp>
+          <p:nvSpPr>
+            <p:cNvPr id="12" name="Can 11"/>
+            <p:cNvSpPr/>
+            <p:nvPr/>
+          </p:nvSpPr>
+          <p:spPr>
+            <a:xfrm>
+              <a:off x="2905124" y="1159669"/>
+              <a:ext cx="1238250" cy="706755"/>
+            </a:xfrm>
+            <a:prstGeom prst="can">
+              <a:avLst/>
+            </a:prstGeom>
+            <a:solidFill>
+              <a:srgbClr val="188A8D"/>
+            </a:solidFill>
+          </p:spPr>
+          <p:style>
+            <a:lnRef idx="2">
+              <a:schemeClr val="accent1">
+                <a:shade val="50000"/>
+              </a:schemeClr>
+            </a:lnRef>
+            <a:fillRef idx="1">
+              <a:schemeClr val="accent1"/>
+            </a:fillRef>
+            <a:effectRef idx="0">
+              <a:schemeClr val="accent1"/>
+            </a:effectRef>
+            <a:fontRef idx="minor">
+              <a:schemeClr val="lt1"/>
+            </a:fontRef>
+          </p:style>
+          <p:txBody>
+            <a:bodyPr rtlCol="0" anchor="ctr"/>
+            <a:lstStyle/>
+            <a:p>
+              <a:pPr algn="ctr"/>
+              <a:r>
+                <a:rPr lang="en-US" dirty="0" smtClean="0"/>
+                <a:t>BioProject</a:t>
+              </a:r>
+              <a:endParaRPr lang="en-US" dirty="0"/>
+            </a:p>
+          </p:txBody>
+        </p:sp>
+        <p:sp>
+          <p:nvSpPr>
+            <p:cNvPr id="13" name="Rounded Rectangle 12"/>
+            <p:cNvSpPr/>
+            <p:nvPr/>
+          </p:nvSpPr>
+          <p:spPr>
+            <a:xfrm>
+              <a:off x="8439149" y="5562600"/>
+              <a:ext cx="1285494" cy="628649"/>
+            </a:xfrm>
+            <a:prstGeom prst="roundRect">
+              <a:avLst/>
+            </a:prstGeom>
+            <a:solidFill>
+              <a:srgbClr val="00853C"/>
+            </a:solidFill>
+            <a:ln>
+              <a:noFill/>
+            </a:ln>
+          </p:spPr>
+          <p:style>
+            <a:lnRef idx="2">
+              <a:schemeClr val="accent1">
+                <a:shade val="50000"/>
+              </a:schemeClr>
+            </a:lnRef>
+            <a:fillRef idx="1">
+              <a:schemeClr val="accent1"/>
+            </a:fillRef>
+            <a:effectRef idx="0">
+              <a:schemeClr val="accent1"/>
+            </a:effectRef>
+            <a:fontRef idx="minor">
+              <a:schemeClr val="lt1"/>
+            </a:fontRef>
+          </p:style>
+          <p:txBody>
+            <a:bodyPr rtlCol="0" anchor="ctr"/>
+            <a:lstStyle/>
+            <a:p>
+              <a:pPr algn="ctr"/>
+              <a:r>
+                <a:rPr lang="en-US" sz="1500" dirty="0" smtClean="0">
+                  <a:solidFill>
+                    <a:schemeClr val="bg1"/>
+                  </a:solidFill>
+                  <a:latin typeface="Calibri Light" charset="0"/>
+                  <a:ea typeface="Calibri Light" charset="0"/>
+                  <a:cs typeface="Calibri Light" charset="0"/>
+                </a:rPr>
+                <a:t>ViRGo</a:t>
+              </a:r>
+            </a:p>
+            <a:p>
+              <a:pPr algn="ctr"/>
+              <a:r>
+                <a:rPr lang="en-US" sz="1500" dirty="0" smtClean="0">
+                  <a:solidFill>
+                    <a:schemeClr val="bg1"/>
+                  </a:solidFill>
+                  <a:latin typeface="Calibri Light" charset="0"/>
+                  <a:ea typeface="Calibri Light" charset="0"/>
+                  <a:cs typeface="Calibri Light" charset="0"/>
+                </a:rPr>
+                <a:t>Shiny App</a:t>
+              </a:r>
+              <a:endParaRPr lang="en-US" sz="1500" dirty="0">
+                <a:solidFill>
+                  <a:schemeClr val="bg1"/>
+                </a:solidFill>
+                <a:latin typeface="Calibri Light" charset="0"/>
+                <a:ea typeface="Calibri Light" charset="0"/>
+                <a:cs typeface="Calibri Light" charset="0"/>
+              </a:endParaRPr>
+            </a:p>
+          </p:txBody>
+        </p:sp>
+        <p:sp>
+          <p:nvSpPr>
+            <p:cNvPr id="14" name="Can 13"/>
+            <p:cNvSpPr/>
+            <p:nvPr/>
+          </p:nvSpPr>
+          <p:spPr>
+            <a:xfrm>
+              <a:off x="9906000" y="1159669"/>
+              <a:ext cx="895350" cy="706755"/>
+            </a:xfrm>
+            <a:prstGeom prst="can">
+              <a:avLst/>
+            </a:prstGeom>
+            <a:solidFill>
+              <a:srgbClr val="188A8D"/>
+            </a:solidFill>
+          </p:spPr>
+          <p:style>
+            <a:lnRef idx="2">
+              <a:schemeClr val="accent1">
+                <a:shade val="50000"/>
+              </a:schemeClr>
+            </a:lnRef>
+            <a:fillRef idx="1">
+              <a:schemeClr val="accent1"/>
+            </a:fillRef>
+            <a:effectRef idx="0">
+              <a:schemeClr val="accent1"/>
+            </a:effectRef>
+            <a:fontRef idx="minor">
+              <a:schemeClr val="lt1"/>
+            </a:fontRef>
+          </p:style>
+          <p:txBody>
+            <a:bodyPr rtlCol="0" anchor="ctr"/>
+            <a:lstStyle/>
+            <a:p>
+              <a:pPr algn="ctr"/>
+              <a:r>
+                <a:rPr lang="en-US" smtClean="0"/>
+                <a:t>ClinVar</a:t>
+              </a:r>
+              <a:endParaRPr lang="en-US" dirty="0"/>
+            </a:p>
+          </p:txBody>
+        </p:sp>
+        <p:sp>
+          <p:nvSpPr>
+            <p:cNvPr id="15" name="TextBox 14"/>
+            <p:cNvSpPr txBox="1"/>
+            <p:nvPr/>
+          </p:nvSpPr>
+          <p:spPr>
+            <a:xfrm>
+              <a:off x="1866900" y="421601"/>
+              <a:ext cx="2944524" cy="369332"/>
+            </a:xfrm>
+            <a:prstGeom prst="rect">
+              <a:avLst/>
+            </a:prstGeom>
+            <a:noFill/>
+          </p:spPr>
+          <p:txBody>
+            <a:bodyPr wrap="none" rtlCol="0">
+              <a:spAutoFit/>
+            </a:bodyPr>
+            <a:lstStyle/>
+            <a:p>
+              <a:r>
+                <a:rPr lang="en-US" dirty="0" smtClean="0"/>
+                <a:t>BioProject Accession Number</a:t>
+              </a:r>
+              <a:endParaRPr lang="en-US" dirty="0"/>
+            </a:p>
+          </p:txBody>
+        </p:sp>
+        <p:sp>
+          <p:nvSpPr>
+            <p:cNvPr id="16" name="TextBox 15"/>
+            <p:cNvSpPr txBox="1"/>
+            <p:nvPr/>
+          </p:nvSpPr>
+          <p:spPr>
+            <a:xfrm>
+              <a:off x="9093831" y="424102"/>
+              <a:ext cx="1707519" cy="369332"/>
+            </a:xfrm>
+            <a:prstGeom prst="rect">
+              <a:avLst/>
+            </a:prstGeom>
+            <a:noFill/>
+          </p:spPr>
+          <p:txBody>
+            <a:bodyPr wrap="none" rtlCol="0">
+              <a:spAutoFit/>
+            </a:bodyPr>
+            <a:lstStyle/>
+            <a:p>
+              <a:r>
+                <a:rPr lang="en-US" dirty="0" smtClean="0"/>
+                <a:t>Gene or Disease</a:t>
+              </a:r>
+              <a:endParaRPr lang="en-US" dirty="0"/>
+            </a:p>
+          </p:txBody>
+        </p:sp>
+        <p:sp>
+          <p:nvSpPr>
+            <p:cNvPr id="17" name="TextBox 16"/>
+            <p:cNvSpPr txBox="1"/>
+            <p:nvPr/>
+          </p:nvSpPr>
+          <p:spPr>
+            <a:xfrm>
+              <a:off x="4932706" y="4545568"/>
+              <a:ext cx="2850460" cy="369332"/>
+            </a:xfrm>
+            <a:prstGeom prst="rect">
+              <a:avLst/>
+            </a:prstGeom>
+            <a:noFill/>
+          </p:spPr>
+          <p:txBody>
+            <a:bodyPr wrap="none" rtlCol="0">
+              <a:spAutoFit/>
+            </a:bodyPr>
+            <a:lstStyle/>
+            <a:p>
+              <a:r>
+                <a:rPr lang="en-US" dirty="0" smtClean="0"/>
+                <a:t>SRA Accessions with SNP IDs</a:t>
+              </a:r>
+              <a:endParaRPr lang="en-US" dirty="0"/>
+            </a:p>
+          </p:txBody>
+        </p:sp>
+        <p:cxnSp>
+          <p:nvCxnSpPr>
+            <p:cNvPr id="19" name="Straight Arrow Connector 18"/>
+            <p:cNvCxnSpPr>
+              <a:stCxn id="15" idx="3"/>
+              <a:endCxn id="5" idx="1"/>
+            </p:cNvCxnSpPr>
+            <p:nvPr/>
+          </p:nvCxnSpPr>
+          <p:spPr>
+            <a:xfrm flipV="1">
+              <a:off x="4811424" y="601028"/>
+              <a:ext cx="965487" cy="5239"/>
+            </a:xfrm>
+            <a:prstGeom prst="straightConnector1">
+              <a:avLst/>
+            </a:prstGeom>
+            <a:ln w="28575">
+              <a:solidFill>
+                <a:schemeClr val="tx1"/>
+              </a:solidFill>
+              <a:tailEnd type="triangle"/>
+            </a:ln>
+          </p:spPr>
+          <p:style>
+            <a:lnRef idx="1">
+              <a:schemeClr val="accent1"/>
+            </a:lnRef>
+            <a:fillRef idx="0">
+              <a:schemeClr val="accent1"/>
+            </a:fillRef>
+            <a:effectRef idx="0">
+              <a:schemeClr val="accent1"/>
+            </a:effectRef>
+            <a:fontRef idx="minor">
+              <a:schemeClr val="tx1"/>
+            </a:fontRef>
+          </p:style>
+        </p:cxnSp>
+        <p:cxnSp>
+          <p:nvCxnSpPr>
+            <p:cNvPr id="21" name="Straight Arrow Connector 20"/>
+            <p:cNvCxnSpPr>
+              <a:stCxn id="16" idx="1"/>
+              <a:endCxn id="5" idx="3"/>
+            </p:cNvCxnSpPr>
+            <p:nvPr/>
+          </p:nvCxnSpPr>
+          <p:spPr>
+            <a:xfrm flipH="1" flipV="1">
+              <a:off x="6938961" y="601028"/>
+              <a:ext cx="2154870" cy="7740"/>
+            </a:xfrm>
+            <a:prstGeom prst="straightConnector1">
+              <a:avLst/>
+            </a:prstGeom>
+            <a:ln w="28575">
+              <a:solidFill>
+                <a:schemeClr val="tx1"/>
+              </a:solidFill>
+              <a:tailEnd type="triangle"/>
+            </a:ln>
+          </p:spPr>
+          <p:style>
+            <a:lnRef idx="1">
+              <a:schemeClr val="accent1"/>
+            </a:lnRef>
+            <a:fillRef idx="0">
+              <a:schemeClr val="accent1"/>
+            </a:fillRef>
+            <a:effectRef idx="0">
+              <a:schemeClr val="accent1"/>
+            </a:effectRef>
+            <a:fontRef idx="minor">
+              <a:schemeClr val="tx1"/>
+            </a:fontRef>
+          </p:style>
+        </p:cxnSp>
+        <p:cxnSp>
+          <p:nvCxnSpPr>
+            <p:cNvPr id="24" name="Straight Arrow Connector 23"/>
+            <p:cNvCxnSpPr>
+              <a:stCxn id="6" idx="2"/>
+              <a:endCxn id="8" idx="0"/>
+            </p:cNvCxnSpPr>
+            <p:nvPr/>
+          </p:nvCxnSpPr>
+          <p:spPr>
+            <a:xfrm>
+              <a:off x="3795711" y="2665572"/>
+              <a:ext cx="2562226" cy="858678"/>
+            </a:xfrm>
+            <a:prstGeom prst="straightConnector1">
+              <a:avLst/>
+            </a:prstGeom>
+            <a:ln w="28575">
+              <a:solidFill>
+                <a:schemeClr val="tx1"/>
+              </a:solidFill>
+              <a:tailEnd type="triangle"/>
+            </a:ln>
+          </p:spPr>
+          <p:style>
+            <a:lnRef idx="1">
+              <a:schemeClr val="accent1"/>
+            </a:lnRef>
+            <a:fillRef idx="0">
+              <a:schemeClr val="accent1"/>
+            </a:fillRef>
+            <a:effectRef idx="0">
+              <a:schemeClr val="accent1"/>
+            </a:effectRef>
+            <a:fontRef idx="minor">
+              <a:schemeClr val="tx1"/>
+            </a:fontRef>
+          </p:style>
+        </p:cxnSp>
+        <p:cxnSp>
+          <p:nvCxnSpPr>
+            <p:cNvPr id="26" name="Straight Arrow Connector 25"/>
+            <p:cNvCxnSpPr>
+              <a:stCxn id="7" idx="2"/>
+              <a:endCxn id="8" idx="0"/>
+            </p:cNvCxnSpPr>
+            <p:nvPr/>
+          </p:nvCxnSpPr>
+          <p:spPr>
+            <a:xfrm flipH="1">
+              <a:off x="6357937" y="2665572"/>
+              <a:ext cx="2562224" cy="858678"/>
+            </a:xfrm>
+            <a:prstGeom prst="straightConnector1">
+              <a:avLst/>
+            </a:prstGeom>
+            <a:ln w="28575">
+              <a:solidFill>
+                <a:schemeClr val="tx1"/>
+              </a:solidFill>
+              <a:tailEnd type="triangle"/>
+            </a:ln>
+          </p:spPr>
+          <p:style>
+            <a:lnRef idx="1">
+              <a:schemeClr val="accent1"/>
+            </a:lnRef>
+            <a:fillRef idx="0">
+              <a:schemeClr val="accent1"/>
+            </a:fillRef>
+            <a:effectRef idx="0">
+              <a:schemeClr val="accent1"/>
+            </a:effectRef>
+            <a:fontRef idx="minor">
+              <a:schemeClr val="tx1"/>
+            </a:fontRef>
+          </p:style>
+        </p:cxnSp>
+        <p:cxnSp>
+          <p:nvCxnSpPr>
+            <p:cNvPr id="35" name="Straight Arrow Connector 34"/>
+            <p:cNvCxnSpPr/>
+            <p:nvPr/>
+          </p:nvCxnSpPr>
+          <p:spPr>
+            <a:xfrm>
+              <a:off x="6348408" y="4152901"/>
+              <a:ext cx="0" cy="392667"/>
+            </a:xfrm>
+            <a:prstGeom prst="straightConnector1">
+              <a:avLst/>
+            </a:prstGeom>
+            <a:ln w="28575">
+              <a:solidFill>
+                <a:schemeClr val="tx1"/>
+              </a:solidFill>
+              <a:tailEnd type="triangle"/>
+            </a:ln>
+          </p:spPr>
+          <p:style>
+            <a:lnRef idx="1">
+              <a:schemeClr val="accent1"/>
+            </a:lnRef>
+            <a:fillRef idx="0">
+              <a:schemeClr val="accent1"/>
+            </a:fillRef>
+            <a:effectRef idx="0">
+              <a:schemeClr val="accent1"/>
+            </a:effectRef>
+            <a:fontRef idx="minor">
+              <a:schemeClr val="tx1"/>
+            </a:fontRef>
+          </p:style>
+        </p:cxnSp>
+        <p:cxnSp>
+          <p:nvCxnSpPr>
+            <p:cNvPr id="37" name="Straight Arrow Connector 36"/>
+            <p:cNvCxnSpPr/>
+            <p:nvPr/>
+          </p:nvCxnSpPr>
+          <p:spPr>
+            <a:xfrm flipH="1">
+              <a:off x="6348408" y="4914900"/>
+              <a:ext cx="4764" cy="476250"/>
+            </a:xfrm>
+            <a:prstGeom prst="straightConnector1">
+              <a:avLst/>
+            </a:prstGeom>
+            <a:ln w="28575">
+              <a:solidFill>
+                <a:schemeClr val="tx1"/>
+              </a:solidFill>
+              <a:tailEnd type="triangle"/>
+            </a:ln>
+          </p:spPr>
+          <p:style>
+            <a:lnRef idx="1">
+              <a:schemeClr val="accent1"/>
+            </a:lnRef>
+            <a:fillRef idx="0">
+              <a:schemeClr val="accent1"/>
+            </a:fillRef>
+            <a:effectRef idx="0">
+              <a:schemeClr val="accent1"/>
+            </a:effectRef>
+            <a:fontRef idx="minor">
+              <a:schemeClr val="tx1"/>
+            </a:fontRef>
+          </p:style>
+        </p:cxnSp>
+        <p:cxnSp>
+          <p:nvCxnSpPr>
+            <p:cNvPr id="40" name="Straight Arrow Connector 39"/>
+            <p:cNvCxnSpPr>
+              <a:stCxn id="5" idx="2"/>
+              <a:endCxn id="6" idx="0"/>
+            </p:cNvCxnSpPr>
+            <p:nvPr/>
+          </p:nvCxnSpPr>
+          <p:spPr>
+            <a:xfrm flipH="1">
+              <a:off x="3795711" y="915353"/>
+              <a:ext cx="2562225" cy="1121569"/>
+            </a:xfrm>
+            <a:prstGeom prst="straightConnector1">
+              <a:avLst/>
+            </a:prstGeom>
+            <a:ln w="28575">
+              <a:solidFill>
+                <a:schemeClr val="tx1"/>
+              </a:solidFill>
+              <a:tailEnd type="triangle"/>
+            </a:ln>
+          </p:spPr>
+          <p:style>
+            <a:lnRef idx="1">
+              <a:schemeClr val="accent1"/>
+            </a:lnRef>
+            <a:fillRef idx="0">
+              <a:schemeClr val="accent1"/>
+            </a:fillRef>
+            <a:effectRef idx="0">
+              <a:schemeClr val="accent1"/>
+            </a:effectRef>
+            <a:fontRef idx="minor">
+              <a:schemeClr val="tx1"/>
+            </a:fontRef>
+          </p:style>
+        </p:cxnSp>
+        <p:cxnSp>
+          <p:nvCxnSpPr>
+            <p:cNvPr id="43" name="Straight Arrow Connector 42"/>
+            <p:cNvCxnSpPr>
+              <a:stCxn id="5" idx="2"/>
+              <a:endCxn id="7" idx="0"/>
+            </p:cNvCxnSpPr>
+            <p:nvPr/>
+          </p:nvCxnSpPr>
+          <p:spPr>
+            <a:xfrm>
+              <a:off x="6357936" y="915353"/>
+              <a:ext cx="2562225" cy="1121569"/>
+            </a:xfrm>
+            <a:prstGeom prst="straightConnector1">
+              <a:avLst/>
+            </a:prstGeom>
+            <a:ln w="28575">
+              <a:solidFill>
+                <a:schemeClr val="tx1"/>
+              </a:solidFill>
+              <a:tailEnd type="triangle"/>
+            </a:ln>
+          </p:spPr>
+          <p:style>
+            <a:lnRef idx="1">
+              <a:schemeClr val="accent1"/>
+            </a:lnRef>
+            <a:fillRef idx="0">
+              <a:schemeClr val="accent1"/>
+            </a:fillRef>
+            <a:effectRef idx="0">
+              <a:schemeClr val="accent1"/>
+            </a:effectRef>
+            <a:fontRef idx="minor">
+              <a:schemeClr val="tx1"/>
+            </a:fontRef>
+          </p:style>
+        </p:cxnSp>
+        <p:cxnSp>
+          <p:nvCxnSpPr>
+            <p:cNvPr id="46" name="Straight Connector 45"/>
+            <p:cNvCxnSpPr>
+              <a:stCxn id="11" idx="3"/>
+            </p:cNvCxnSpPr>
+            <p:nvPr/>
+          </p:nvCxnSpPr>
+          <p:spPr>
+            <a:xfrm>
+              <a:off x="2352674" y="1866424"/>
+              <a:ext cx="238123" cy="155734"/>
+            </a:xfrm>
+            <a:prstGeom prst="line">
+              <a:avLst/>
+            </a:prstGeom>
+          </p:spPr>
+          <p:style>
+            <a:lnRef idx="1">
+              <a:schemeClr val="accent1"/>
+            </a:lnRef>
+            <a:fillRef idx="0">
+              <a:schemeClr val="accent1"/>
+            </a:fillRef>
+            <a:effectRef idx="0">
+              <a:schemeClr val="accent1"/>
+            </a:effectRef>
+            <a:fontRef idx="minor">
+              <a:schemeClr val="tx1"/>
+            </a:fontRef>
+          </p:style>
+        </p:cxnSp>
+        <p:cxnSp>
+          <p:nvCxnSpPr>
+            <p:cNvPr id="47" name="Straight Connector 46"/>
+            <p:cNvCxnSpPr/>
+            <p:nvPr/>
+          </p:nvCxnSpPr>
+          <p:spPr>
+            <a:xfrm>
+              <a:off x="3480292" y="1866424"/>
+              <a:ext cx="238123" cy="155734"/>
+            </a:xfrm>
+            <a:prstGeom prst="line">
+              <a:avLst/>
+            </a:prstGeom>
+          </p:spPr>
+          <p:style>
+            <a:lnRef idx="1">
+              <a:schemeClr val="accent1"/>
+            </a:lnRef>
+            <a:fillRef idx="0">
+              <a:schemeClr val="accent1"/>
+            </a:fillRef>
+            <a:effectRef idx="0">
+              <a:schemeClr val="accent1"/>
+            </a:effectRef>
+            <a:fontRef idx="minor">
+              <a:schemeClr val="tx1"/>
+            </a:fontRef>
+          </p:style>
+        </p:cxnSp>
+        <p:cxnSp>
+          <p:nvCxnSpPr>
+            <p:cNvPr id="48" name="Straight Connector 47"/>
+            <p:cNvCxnSpPr/>
+            <p:nvPr/>
+          </p:nvCxnSpPr>
+          <p:spPr>
+            <a:xfrm flipH="1">
+              <a:off x="10115547" y="1880890"/>
+              <a:ext cx="238129" cy="156032"/>
+            </a:xfrm>
+            <a:prstGeom prst="line">
+              <a:avLst/>
+            </a:prstGeom>
+          </p:spPr>
+          <p:style>
+            <a:lnRef idx="1">
+              <a:schemeClr val="accent1"/>
+            </a:lnRef>
+            <a:fillRef idx="0">
+              <a:schemeClr val="accent1"/>
+            </a:fillRef>
+            <a:effectRef idx="0">
+              <a:schemeClr val="accent1"/>
+            </a:effectRef>
+            <a:fontRef idx="minor">
+              <a:schemeClr val="tx1"/>
+            </a:fontRef>
+          </p:style>
+        </p:cxnSp>
+        <p:cxnSp>
+          <p:nvCxnSpPr>
+            <p:cNvPr id="76" name="Straight Connector 75"/>
+            <p:cNvCxnSpPr/>
+            <p:nvPr/>
+          </p:nvCxnSpPr>
+          <p:spPr>
+            <a:xfrm>
+              <a:off x="6938961" y="790933"/>
+              <a:ext cx="4241657" cy="0"/>
+            </a:xfrm>
+            <a:prstGeom prst="line">
+              <a:avLst/>
+            </a:prstGeom>
+            <a:ln w="25400">
+              <a:solidFill>
+                <a:schemeClr val="tx1"/>
+              </a:solidFill>
+              <a:prstDash val="sysDash"/>
+            </a:ln>
+          </p:spPr>
+          <p:style>
+            <a:lnRef idx="1">
+              <a:schemeClr val="accent1"/>
+            </a:lnRef>
+            <a:fillRef idx="0">
+              <a:schemeClr val="accent1"/>
+            </a:fillRef>
+            <a:effectRef idx="0">
+              <a:schemeClr val="accent1"/>
+            </a:effectRef>
+            <a:fontRef idx="minor">
+              <a:schemeClr val="tx1"/>
+            </a:fontRef>
+          </p:style>
+        </p:cxnSp>
+        <p:cxnSp>
+          <p:nvCxnSpPr>
+            <p:cNvPr id="78" name="Straight Connector 77"/>
+            <p:cNvCxnSpPr/>
+            <p:nvPr/>
+          </p:nvCxnSpPr>
+          <p:spPr>
+            <a:xfrm>
+              <a:off x="11180618" y="790933"/>
+              <a:ext cx="0" cy="3919612"/>
+            </a:xfrm>
+            <a:prstGeom prst="line">
+              <a:avLst/>
+            </a:prstGeom>
+            <a:ln w="25400">
+              <a:solidFill>
+                <a:schemeClr val="tx1"/>
+              </a:solidFill>
+              <a:prstDash val="sysDash"/>
+            </a:ln>
+          </p:spPr>
+          <p:style>
+            <a:lnRef idx="1">
+              <a:schemeClr val="accent1"/>
+            </a:lnRef>
+            <a:fillRef idx="0">
+              <a:schemeClr val="accent1"/>
+            </a:fillRef>
+            <a:effectRef idx="0">
+              <a:schemeClr val="accent1"/>
+            </a:effectRef>
+            <a:fontRef idx="minor">
+              <a:schemeClr val="tx1"/>
+            </a:fontRef>
+          </p:style>
+        </p:cxnSp>
+        <p:cxnSp>
+          <p:nvCxnSpPr>
+            <p:cNvPr id="80" name="Straight Connector 79"/>
+            <p:cNvCxnSpPr/>
+            <p:nvPr/>
+          </p:nvCxnSpPr>
+          <p:spPr>
+            <a:xfrm flipH="1">
+              <a:off x="7994073" y="4696691"/>
+              <a:ext cx="3186546" cy="13854"/>
+            </a:xfrm>
+            <a:prstGeom prst="line">
+              <a:avLst/>
+            </a:prstGeom>
+            <a:ln w="25400">
+              <a:solidFill>
+                <a:schemeClr val="tx1"/>
+              </a:solidFill>
+              <a:prstDash val="sysDash"/>
+            </a:ln>
+          </p:spPr>
+          <p:style>
+            <a:lnRef idx="1">
+              <a:schemeClr val="accent1"/>
+            </a:lnRef>
+            <a:fillRef idx="0">
+              <a:schemeClr val="accent1"/>
+            </a:fillRef>
+            <a:effectRef idx="0">
+              <a:schemeClr val="accent1"/>
+            </a:effectRef>
+            <a:fontRef idx="minor">
+              <a:schemeClr val="tx1"/>
+            </a:fontRef>
+          </p:style>
+        </p:cxnSp>
+        <p:cxnSp>
+          <p:nvCxnSpPr>
+            <p:cNvPr id="82" name="Straight Arrow Connector 81"/>
+            <p:cNvCxnSpPr/>
+            <p:nvPr/>
+          </p:nvCxnSpPr>
+          <p:spPr>
+            <a:xfrm>
+              <a:off x="7994073" y="4710545"/>
+              <a:ext cx="0" cy="680605"/>
+            </a:xfrm>
+            <a:prstGeom prst="straightConnector1">
+              <a:avLst/>
+            </a:prstGeom>
+            <a:ln w="25400">
+              <a:solidFill>
+                <a:schemeClr val="tx1"/>
+              </a:solidFill>
+              <a:prstDash val="sysDash"/>
+              <a:tailEnd type="triangle"/>
+            </a:ln>
+          </p:spPr>
+          <p:style>
+            <a:lnRef idx="1">
+              <a:schemeClr val="accent1"/>
+            </a:lnRef>
+            <a:fillRef idx="0">
+              <a:schemeClr val="accent1"/>
+            </a:fillRef>
+            <a:effectRef idx="0">
+              <a:schemeClr val="accent1"/>
+            </a:effectRef>
+            <a:fontRef idx="minor">
+              <a:schemeClr val="tx1"/>
+            </a:fontRef>
+          </p:style>
+        </p:cxnSp>
+      </p:grpSp>
+      <p:sp>
+        <p:nvSpPr>
+          <p:cNvPr id="18" name="Rectangle 17"/>
           <p:cNvSpPr/>
           <p:nvPr/>
         </p:nvSpPr>
         <p:spPr>
           <a:xfrm>
-            <a:off x="5776911" y="286703"/>
-            <a:ext cx="1162050" cy="628650"/>
+            <a:off x="1498600" y="88900"/>
+            <a:ext cx="9994900" cy="6527800"/>
           </a:xfrm>
-          <a:prstGeom prst="roundRect">
+          <a:prstGeom prst="rect">
             <a:avLst/>
           </a:prstGeom>
-          <a:solidFill>
-            <a:srgbClr val="9A0000"/>
-          </a:solidFill>
-          <a:ln>
-            <a:noFill/>
+          <a:noFill/>
+          <a:ln w="19050">
+            <a:solidFill>
+              <a:schemeClr val="tx1"/>
+            </a:solidFill>
           </a:ln>
         </p:spPr>
         <p:style>
@@ -3279,1273 +4569,10 @@
           <a:lstStyle/>
           <a:p>
             <a:pPr algn="ctr"/>
-            <a:r>
-              <a:rPr lang="en-US" sz="2200" dirty="0" smtClean="0">
-                <a:solidFill>
-                  <a:schemeClr val="bg1"/>
-                </a:solidFill>
-                <a:latin typeface="Calibri Light" charset="0"/>
-                <a:ea typeface="Calibri Light" charset="0"/>
-                <a:cs typeface="Calibri Light" charset="0"/>
-              </a:rPr>
-              <a:t>SC3.sh</a:t>
-            </a:r>
-            <a:endParaRPr lang="en-US" sz="2200" dirty="0">
-              <a:solidFill>
-                <a:schemeClr val="bg1"/>
-              </a:solidFill>
-              <a:latin typeface="Calibri Light" charset="0"/>
-              <a:ea typeface="Calibri Light" charset="0"/>
-              <a:cs typeface="Calibri Light" charset="0"/>
-            </a:endParaRPr>
-          </a:p>
-        </p:txBody>
-      </p:sp>
-      <p:sp>
-        <p:nvSpPr>
-          <p:cNvPr id="6" name="Rounded Rectangle 5"/>
-          <p:cNvSpPr/>
-          <p:nvPr/>
-        </p:nvSpPr>
-        <p:spPr>
-          <a:xfrm>
-            <a:off x="1814511" y="2036922"/>
-            <a:ext cx="3962400" cy="628650"/>
-          </a:xfrm>
-          <a:prstGeom prst="roundRect">
-            <a:avLst/>
-          </a:prstGeom>
-          <a:solidFill>
-            <a:srgbClr val="9A0000"/>
-          </a:solidFill>
-          <a:ln>
-            <a:noFill/>
-          </a:ln>
-        </p:spPr>
-        <p:style>
-          <a:lnRef idx="2">
-            <a:schemeClr val="accent1">
-              <a:shade val="50000"/>
-            </a:schemeClr>
-          </a:lnRef>
-          <a:fillRef idx="1">
-            <a:schemeClr val="accent1"/>
-          </a:fillRef>
-          <a:effectRef idx="0">
-            <a:schemeClr val="accent1"/>
-          </a:effectRef>
-          <a:fontRef idx="minor">
-            <a:schemeClr val="lt1"/>
-          </a:fontRef>
-        </p:style>
-        <p:txBody>
-          <a:bodyPr rtlCol="0" anchor="ctr"/>
-          <a:lstStyle/>
-          <a:p>
-            <a:pPr algn="ctr"/>
-            <a:r>
-              <a:rPr lang="en-US" sz="2200" dirty="0" err="1" smtClean="0">
-                <a:solidFill>
-                  <a:schemeClr val="bg1"/>
-                </a:solidFill>
-                <a:latin typeface="Calibri Light" charset="0"/>
-                <a:ea typeface="Calibri Light" charset="0"/>
-                <a:cs typeface="Calibri Light" charset="0"/>
-              </a:rPr>
-              <a:t>BioProject</a:t>
-            </a:r>
-            <a:r>
-              <a:rPr lang="en-US" sz="2200" dirty="0" smtClean="0">
-                <a:solidFill>
-                  <a:schemeClr val="bg1"/>
-                </a:solidFill>
-                <a:latin typeface="Calibri Light" charset="0"/>
-                <a:ea typeface="Calibri Light" charset="0"/>
-                <a:cs typeface="Calibri Light" charset="0"/>
-              </a:rPr>
-              <a:t> to SRA and metadata</a:t>
-            </a:r>
-            <a:endParaRPr lang="en-US" sz="2200" dirty="0">
-              <a:solidFill>
-                <a:schemeClr val="bg1"/>
-              </a:solidFill>
-              <a:latin typeface="Calibri Light" charset="0"/>
-              <a:ea typeface="Calibri Light" charset="0"/>
-              <a:cs typeface="Calibri Light" charset="0"/>
-            </a:endParaRPr>
-          </a:p>
-        </p:txBody>
-      </p:sp>
-      <p:sp>
-        <p:nvSpPr>
-          <p:cNvPr id="7" name="Rounded Rectangle 6"/>
-          <p:cNvSpPr/>
-          <p:nvPr/>
-        </p:nvSpPr>
-        <p:spPr>
-          <a:xfrm>
-            <a:off x="6938961" y="2036922"/>
-            <a:ext cx="3962400" cy="628650"/>
-          </a:xfrm>
-          <a:prstGeom prst="roundRect">
-            <a:avLst/>
-          </a:prstGeom>
-          <a:solidFill>
-            <a:srgbClr val="9A0000"/>
-          </a:solidFill>
-          <a:ln>
-            <a:noFill/>
-          </a:ln>
-        </p:spPr>
-        <p:style>
-          <a:lnRef idx="2">
-            <a:schemeClr val="accent1">
-              <a:shade val="50000"/>
-            </a:schemeClr>
-          </a:lnRef>
-          <a:fillRef idx="1">
-            <a:schemeClr val="accent1"/>
-          </a:fillRef>
-          <a:effectRef idx="0">
-            <a:schemeClr val="accent1"/>
-          </a:effectRef>
-          <a:fontRef idx="minor">
-            <a:schemeClr val="lt1"/>
-          </a:fontRef>
-        </p:style>
-        <p:txBody>
-          <a:bodyPr rtlCol="0" anchor="ctr"/>
-          <a:lstStyle/>
-          <a:p>
-            <a:pPr algn="ctr"/>
-            <a:r>
-              <a:rPr lang="en-US" sz="2200" dirty="0" smtClean="0">
-                <a:solidFill>
-                  <a:schemeClr val="bg1"/>
-                </a:solidFill>
-                <a:latin typeface="Calibri Light" charset="0"/>
-                <a:ea typeface="Calibri Light" charset="0"/>
-                <a:cs typeface="Calibri Light" charset="0"/>
-              </a:rPr>
-              <a:t>Gene/Disease to SNPs</a:t>
-            </a:r>
-            <a:endParaRPr lang="en-US" sz="2200" dirty="0">
-              <a:solidFill>
-                <a:schemeClr val="bg1"/>
-              </a:solidFill>
-              <a:latin typeface="Calibri Light" charset="0"/>
-              <a:ea typeface="Calibri Light" charset="0"/>
-              <a:cs typeface="Calibri Light" charset="0"/>
-            </a:endParaRPr>
-          </a:p>
-        </p:txBody>
-      </p:sp>
-      <p:sp>
-        <p:nvSpPr>
-          <p:cNvPr id="8" name="Rounded Rectangle 7"/>
-          <p:cNvSpPr/>
-          <p:nvPr/>
-        </p:nvSpPr>
-        <p:spPr>
-          <a:xfrm>
-            <a:off x="4276724" y="3524250"/>
-            <a:ext cx="4162425" cy="628650"/>
-          </a:xfrm>
-          <a:prstGeom prst="roundRect">
-            <a:avLst/>
-          </a:prstGeom>
-          <a:solidFill>
-            <a:srgbClr val="9A0000"/>
-          </a:solidFill>
-          <a:ln>
-            <a:noFill/>
-          </a:ln>
-        </p:spPr>
-        <p:style>
-          <a:lnRef idx="2">
-            <a:schemeClr val="accent1">
-              <a:shade val="50000"/>
-            </a:schemeClr>
-          </a:lnRef>
-          <a:fillRef idx="1">
-            <a:schemeClr val="accent1"/>
-          </a:fillRef>
-          <a:effectRef idx="0">
-            <a:schemeClr val="accent1"/>
-          </a:effectRef>
-          <a:fontRef idx="minor">
-            <a:schemeClr val="lt1"/>
-          </a:fontRef>
-        </p:style>
-        <p:txBody>
-          <a:bodyPr rtlCol="0" anchor="ctr"/>
-          <a:lstStyle/>
-          <a:p>
-            <a:pPr algn="ctr"/>
-            <a:r>
-              <a:rPr lang="en-US" sz="2200" dirty="0" smtClean="0">
-                <a:solidFill>
-                  <a:schemeClr val="bg1"/>
-                </a:solidFill>
-                <a:latin typeface="Calibri Light" charset="0"/>
-                <a:ea typeface="Calibri Light" charset="0"/>
-                <a:cs typeface="Calibri Light" charset="0"/>
-              </a:rPr>
-              <a:t>PSST</a:t>
-            </a:r>
-            <a:endParaRPr lang="en-US" sz="2200" dirty="0">
-              <a:solidFill>
-                <a:schemeClr val="bg1"/>
-              </a:solidFill>
-              <a:latin typeface="Calibri Light" charset="0"/>
-              <a:ea typeface="Calibri Light" charset="0"/>
-              <a:cs typeface="Calibri Light" charset="0"/>
-            </a:endParaRPr>
-          </a:p>
-        </p:txBody>
-      </p:sp>
-      <p:sp>
-        <p:nvSpPr>
-          <p:cNvPr id="9" name="Rounded Rectangle 8"/>
-          <p:cNvSpPr/>
-          <p:nvPr/>
-        </p:nvSpPr>
-        <p:spPr>
-          <a:xfrm>
-            <a:off x="2590797" y="5391150"/>
-            <a:ext cx="7524750" cy="971550"/>
-          </a:xfrm>
-          <a:prstGeom prst="roundRect">
-            <a:avLst/>
-          </a:prstGeom>
-          <a:solidFill>
-            <a:srgbClr val="9A0000"/>
-          </a:solidFill>
-          <a:ln>
-            <a:noFill/>
-          </a:ln>
-        </p:spPr>
-        <p:style>
-          <a:lnRef idx="2">
-            <a:schemeClr val="accent1">
-              <a:shade val="50000"/>
-            </a:schemeClr>
-          </a:lnRef>
-          <a:fillRef idx="1">
-            <a:schemeClr val="accent1"/>
-          </a:fillRef>
-          <a:effectRef idx="0">
-            <a:schemeClr val="accent1"/>
-          </a:effectRef>
-          <a:fontRef idx="minor">
-            <a:schemeClr val="lt1"/>
-          </a:fontRef>
-        </p:style>
-        <p:txBody>
-          <a:bodyPr rtlCol="0" anchor="ctr"/>
-          <a:lstStyle/>
-          <a:p>
-            <a:pPr algn="ctr"/>
-            <a:r>
-              <a:rPr lang="en-US" sz="2200" dirty="0" smtClean="0">
-                <a:solidFill>
-                  <a:schemeClr val="bg1"/>
-                </a:solidFill>
-                <a:latin typeface="Calibri Light" charset="0"/>
-                <a:ea typeface="Calibri Light" charset="0"/>
-                <a:cs typeface="Calibri Light" charset="0"/>
-              </a:rPr>
-              <a:t>Interactive visualization</a:t>
-            </a:r>
-            <a:r>
-              <a:rPr lang="en-US" sz="2200" dirty="0">
-                <a:solidFill>
-                  <a:schemeClr val="bg1"/>
-                </a:solidFill>
-                <a:latin typeface="Calibri Light" charset="0"/>
-                <a:ea typeface="Calibri Light" charset="0"/>
-                <a:cs typeface="Calibri Light" charset="0"/>
-              </a:rPr>
-              <a:t> </a:t>
-            </a:r>
-            <a:r>
-              <a:rPr lang="en-US" sz="2200" dirty="0" smtClean="0">
-                <a:solidFill>
-                  <a:schemeClr val="bg1"/>
-                </a:solidFill>
-                <a:latin typeface="Calibri Light" charset="0"/>
-                <a:ea typeface="Calibri Light" charset="0"/>
-                <a:cs typeface="Calibri Light" charset="0"/>
-              </a:rPr>
-              <a:t>of variants</a:t>
-            </a:r>
-          </a:p>
-          <a:p>
-            <a:pPr algn="ctr"/>
-            <a:r>
-              <a:rPr lang="en-US" sz="2200" dirty="0">
-                <a:solidFill>
-                  <a:schemeClr val="bg1"/>
-                </a:solidFill>
-                <a:latin typeface="Calibri Light" charset="0"/>
-                <a:ea typeface="Calibri Light" charset="0"/>
-                <a:cs typeface="Calibri Light" charset="0"/>
-              </a:rPr>
-              <a:t>b</a:t>
-            </a:r>
-            <a:r>
-              <a:rPr lang="en-US" sz="2200" dirty="0" smtClean="0">
-                <a:solidFill>
-                  <a:schemeClr val="bg1"/>
-                </a:solidFill>
-                <a:latin typeface="Calibri Light" charset="0"/>
-                <a:ea typeface="Calibri Light" charset="0"/>
-                <a:cs typeface="Calibri Light" charset="0"/>
-              </a:rPr>
-              <a:t>y </a:t>
-            </a:r>
-            <a:r>
-              <a:rPr lang="en-US" sz="2200" dirty="0" smtClean="0">
-                <a:solidFill>
-                  <a:schemeClr val="bg1"/>
-                </a:solidFill>
-                <a:latin typeface="Calibri Light" charset="0"/>
-                <a:ea typeface="Calibri Light" charset="0"/>
-                <a:cs typeface="Calibri Light" charset="0"/>
-              </a:rPr>
-              <a:t>cell type, patient, disease, etc.</a:t>
-            </a:r>
-          </a:p>
-        </p:txBody>
-      </p:sp>
-      <p:sp>
-        <p:nvSpPr>
-          <p:cNvPr id="10" name="Rounded Rectangle 9"/>
-          <p:cNvSpPr/>
-          <p:nvPr/>
-        </p:nvSpPr>
-        <p:spPr>
-          <a:xfrm>
-            <a:off x="6991350" y="3701415"/>
-            <a:ext cx="1285494" cy="280035"/>
-          </a:xfrm>
-          <a:prstGeom prst="roundRect">
-            <a:avLst/>
-          </a:prstGeom>
-          <a:solidFill>
-            <a:srgbClr val="00853C"/>
-          </a:solidFill>
-          <a:ln>
-            <a:noFill/>
-          </a:ln>
-        </p:spPr>
-        <p:style>
-          <a:lnRef idx="2">
-            <a:schemeClr val="accent1">
-              <a:shade val="50000"/>
-            </a:schemeClr>
-          </a:lnRef>
-          <a:fillRef idx="1">
-            <a:schemeClr val="accent1"/>
-          </a:fillRef>
-          <a:effectRef idx="0">
-            <a:schemeClr val="accent1"/>
-          </a:effectRef>
-          <a:fontRef idx="minor">
-            <a:schemeClr val="lt1"/>
-          </a:fontRef>
-        </p:style>
-        <p:txBody>
-          <a:bodyPr rtlCol="0" anchor="ctr"/>
-          <a:lstStyle/>
-          <a:p>
-            <a:pPr algn="ctr"/>
-            <a:r>
-              <a:rPr lang="en-US" sz="1500" dirty="0" smtClean="0">
-                <a:solidFill>
-                  <a:schemeClr val="bg1"/>
-                </a:solidFill>
-                <a:latin typeface="Calibri Light" charset="0"/>
-                <a:ea typeface="Calibri Light" charset="0"/>
-                <a:cs typeface="Calibri Light" charset="0"/>
-              </a:rPr>
-              <a:t>Magic-BLAST</a:t>
-            </a:r>
-            <a:endParaRPr lang="en-US" sz="1500" dirty="0">
-              <a:solidFill>
-                <a:schemeClr val="bg1"/>
-              </a:solidFill>
-              <a:latin typeface="Calibri Light" charset="0"/>
-              <a:ea typeface="Calibri Light" charset="0"/>
-              <a:cs typeface="Calibri Light" charset="0"/>
-            </a:endParaRPr>
-          </a:p>
-        </p:txBody>
-      </p:sp>
-      <p:sp>
-        <p:nvSpPr>
-          <p:cNvPr id="11" name="Can 10"/>
-          <p:cNvSpPr/>
-          <p:nvPr/>
-        </p:nvSpPr>
-        <p:spPr>
-          <a:xfrm>
-            <a:off x="1990724" y="1159669"/>
-            <a:ext cx="723900" cy="706755"/>
-          </a:xfrm>
-          <a:prstGeom prst="can">
-            <a:avLst/>
-          </a:prstGeom>
-          <a:solidFill>
-            <a:srgbClr val="188A8D"/>
-          </a:solidFill>
-        </p:spPr>
-        <p:style>
-          <a:lnRef idx="2">
-            <a:schemeClr val="accent1">
-              <a:shade val="50000"/>
-            </a:schemeClr>
-          </a:lnRef>
-          <a:fillRef idx="1">
-            <a:schemeClr val="accent1"/>
-          </a:fillRef>
-          <a:effectRef idx="0">
-            <a:schemeClr val="accent1"/>
-          </a:effectRef>
-          <a:fontRef idx="minor">
-            <a:schemeClr val="lt1"/>
-          </a:fontRef>
-        </p:style>
-        <p:txBody>
-          <a:bodyPr rtlCol="0" anchor="ctr"/>
-          <a:lstStyle/>
-          <a:p>
-            <a:pPr algn="ctr"/>
-            <a:r>
-              <a:rPr lang="en-US" dirty="0" smtClean="0"/>
-              <a:t>SRA</a:t>
-            </a:r>
-            <a:endParaRPr lang="en-US" dirty="0"/>
-          </a:p>
-        </p:txBody>
-      </p:sp>
-      <p:sp>
-        <p:nvSpPr>
-          <p:cNvPr id="12" name="Can 11"/>
-          <p:cNvSpPr/>
-          <p:nvPr/>
-        </p:nvSpPr>
-        <p:spPr>
-          <a:xfrm>
-            <a:off x="2905124" y="1159669"/>
-            <a:ext cx="1238250" cy="706755"/>
-          </a:xfrm>
-          <a:prstGeom prst="can">
-            <a:avLst/>
-          </a:prstGeom>
-          <a:solidFill>
-            <a:srgbClr val="188A8D"/>
-          </a:solidFill>
-        </p:spPr>
-        <p:style>
-          <a:lnRef idx="2">
-            <a:schemeClr val="accent1">
-              <a:shade val="50000"/>
-            </a:schemeClr>
-          </a:lnRef>
-          <a:fillRef idx="1">
-            <a:schemeClr val="accent1"/>
-          </a:fillRef>
-          <a:effectRef idx="0">
-            <a:schemeClr val="accent1"/>
-          </a:effectRef>
-          <a:fontRef idx="minor">
-            <a:schemeClr val="lt1"/>
-          </a:fontRef>
-        </p:style>
-        <p:txBody>
-          <a:bodyPr rtlCol="0" anchor="ctr"/>
-          <a:lstStyle/>
-          <a:p>
-            <a:pPr algn="ctr"/>
-            <a:r>
-              <a:rPr lang="en-US" dirty="0" err="1" smtClean="0"/>
-              <a:t>BioProject</a:t>
-            </a:r>
-            <a:endParaRPr lang="en-US" dirty="0"/>
-          </a:p>
-        </p:txBody>
-      </p:sp>
-      <p:sp>
-        <p:nvSpPr>
-          <p:cNvPr id="13" name="Rounded Rectangle 12"/>
-          <p:cNvSpPr/>
-          <p:nvPr/>
-        </p:nvSpPr>
-        <p:spPr>
-          <a:xfrm>
-            <a:off x="8439149" y="5562600"/>
-            <a:ext cx="1285494" cy="628649"/>
-          </a:xfrm>
-          <a:prstGeom prst="roundRect">
-            <a:avLst/>
-          </a:prstGeom>
-          <a:solidFill>
-            <a:srgbClr val="00853C"/>
-          </a:solidFill>
-          <a:ln>
-            <a:noFill/>
-          </a:ln>
-        </p:spPr>
-        <p:style>
-          <a:lnRef idx="2">
-            <a:schemeClr val="accent1">
-              <a:shade val="50000"/>
-            </a:schemeClr>
-          </a:lnRef>
-          <a:fillRef idx="1">
-            <a:schemeClr val="accent1"/>
-          </a:fillRef>
-          <a:effectRef idx="0">
-            <a:schemeClr val="accent1"/>
-          </a:effectRef>
-          <a:fontRef idx="minor">
-            <a:schemeClr val="lt1"/>
-          </a:fontRef>
-        </p:style>
-        <p:txBody>
-          <a:bodyPr rtlCol="0" anchor="ctr"/>
-          <a:lstStyle/>
-          <a:p>
-            <a:pPr algn="ctr"/>
-            <a:r>
-              <a:rPr lang="en-US" sz="1500" dirty="0" err="1" smtClean="0">
-                <a:solidFill>
-                  <a:schemeClr val="bg1"/>
-                </a:solidFill>
-                <a:latin typeface="Calibri Light" charset="0"/>
-                <a:ea typeface="Calibri Light" charset="0"/>
-                <a:cs typeface="Calibri Light" charset="0"/>
-              </a:rPr>
-              <a:t>ViRGo</a:t>
-            </a:r>
-            <a:endParaRPr lang="en-US" sz="1500" dirty="0" smtClean="0">
-              <a:solidFill>
-                <a:schemeClr val="bg1"/>
-              </a:solidFill>
-              <a:latin typeface="Calibri Light" charset="0"/>
-              <a:ea typeface="Calibri Light" charset="0"/>
-              <a:cs typeface="Calibri Light" charset="0"/>
-            </a:endParaRPr>
-          </a:p>
-          <a:p>
-            <a:pPr algn="ctr"/>
-            <a:r>
-              <a:rPr lang="en-US" sz="1500" dirty="0" smtClean="0">
-                <a:solidFill>
-                  <a:schemeClr val="bg1"/>
-                </a:solidFill>
-                <a:latin typeface="Calibri Light" charset="0"/>
-                <a:ea typeface="Calibri Light" charset="0"/>
-                <a:cs typeface="Calibri Light" charset="0"/>
-              </a:rPr>
-              <a:t>Shiny App</a:t>
-            </a:r>
-            <a:endParaRPr lang="en-US" sz="1500" dirty="0">
-              <a:solidFill>
-                <a:schemeClr val="bg1"/>
-              </a:solidFill>
-              <a:latin typeface="Calibri Light" charset="0"/>
-              <a:ea typeface="Calibri Light" charset="0"/>
-              <a:cs typeface="Calibri Light" charset="0"/>
-            </a:endParaRPr>
-          </a:p>
-        </p:txBody>
-      </p:sp>
-      <p:sp>
-        <p:nvSpPr>
-          <p:cNvPr id="14" name="Can 13"/>
-          <p:cNvSpPr/>
-          <p:nvPr/>
-        </p:nvSpPr>
-        <p:spPr>
-          <a:xfrm>
-            <a:off x="9906000" y="1159669"/>
-            <a:ext cx="895350" cy="706755"/>
-          </a:xfrm>
-          <a:prstGeom prst="can">
-            <a:avLst/>
-          </a:prstGeom>
-          <a:solidFill>
-            <a:srgbClr val="188A8D"/>
-          </a:solidFill>
-        </p:spPr>
-        <p:style>
-          <a:lnRef idx="2">
-            <a:schemeClr val="accent1">
-              <a:shade val="50000"/>
-            </a:schemeClr>
-          </a:lnRef>
-          <a:fillRef idx="1">
-            <a:schemeClr val="accent1"/>
-          </a:fillRef>
-          <a:effectRef idx="0">
-            <a:schemeClr val="accent1"/>
-          </a:effectRef>
-          <a:fontRef idx="minor">
-            <a:schemeClr val="lt1"/>
-          </a:fontRef>
-        </p:style>
-        <p:txBody>
-          <a:bodyPr rtlCol="0" anchor="ctr"/>
-          <a:lstStyle/>
-          <a:p>
-            <a:pPr algn="ctr"/>
-            <a:r>
-              <a:rPr lang="en-US" smtClean="0"/>
-              <a:t>ClinVar</a:t>
-            </a:r>
-            <a:endParaRPr lang="en-US" dirty="0"/>
-          </a:p>
-        </p:txBody>
-      </p:sp>
-      <p:sp>
-        <p:nvSpPr>
-          <p:cNvPr id="15" name="TextBox 14"/>
-          <p:cNvSpPr txBox="1"/>
-          <p:nvPr/>
-        </p:nvSpPr>
-        <p:spPr>
-          <a:xfrm>
-            <a:off x="1866900" y="421601"/>
-            <a:ext cx="2944524" cy="369332"/>
-          </a:xfrm>
-          <a:prstGeom prst="rect">
-            <a:avLst/>
-          </a:prstGeom>
-          <a:noFill/>
-        </p:spPr>
-        <p:txBody>
-          <a:bodyPr wrap="none" rtlCol="0">
-            <a:spAutoFit/>
-          </a:bodyPr>
-          <a:lstStyle/>
-          <a:p>
-            <a:r>
-              <a:rPr lang="en-US" dirty="0" err="1" smtClean="0"/>
-              <a:t>BioProject</a:t>
-            </a:r>
-            <a:r>
-              <a:rPr lang="en-US" dirty="0" smtClean="0"/>
-              <a:t> Accession Number</a:t>
-            </a:r>
-            <a:endParaRPr lang="en-US" dirty="0"/>
-          </a:p>
-        </p:txBody>
-      </p:sp>
-      <p:sp>
-        <p:nvSpPr>
-          <p:cNvPr id="16" name="TextBox 15"/>
-          <p:cNvSpPr txBox="1"/>
-          <p:nvPr/>
-        </p:nvSpPr>
-        <p:spPr>
-          <a:xfrm>
-            <a:off x="9093831" y="424102"/>
-            <a:ext cx="1707519" cy="369332"/>
-          </a:xfrm>
-          <a:prstGeom prst="rect">
-            <a:avLst/>
-          </a:prstGeom>
-          <a:noFill/>
-        </p:spPr>
-        <p:txBody>
-          <a:bodyPr wrap="none" rtlCol="0">
-            <a:spAutoFit/>
-          </a:bodyPr>
-          <a:lstStyle/>
-          <a:p>
-            <a:r>
-              <a:rPr lang="en-US" dirty="0" smtClean="0"/>
-              <a:t>Gene or Disease</a:t>
-            </a:r>
-            <a:endParaRPr lang="en-US" dirty="0"/>
-          </a:p>
-        </p:txBody>
-      </p:sp>
-      <p:sp>
-        <p:nvSpPr>
-          <p:cNvPr id="17" name="TextBox 16"/>
-          <p:cNvSpPr txBox="1"/>
-          <p:nvPr/>
-        </p:nvSpPr>
-        <p:spPr>
-          <a:xfrm>
-            <a:off x="4932706" y="4545568"/>
-            <a:ext cx="2850460" cy="369332"/>
-          </a:xfrm>
-          <a:prstGeom prst="rect">
-            <a:avLst/>
-          </a:prstGeom>
-          <a:noFill/>
-        </p:spPr>
-        <p:txBody>
-          <a:bodyPr wrap="none" rtlCol="0">
-            <a:spAutoFit/>
-          </a:bodyPr>
-          <a:lstStyle/>
-          <a:p>
-            <a:r>
-              <a:rPr lang="en-US" dirty="0" smtClean="0"/>
-              <a:t>SRA Accessions with SNP IDs</a:t>
-            </a:r>
-            <a:endParaRPr lang="en-US" dirty="0"/>
-          </a:p>
-        </p:txBody>
-      </p:sp>
-      <p:cxnSp>
-        <p:nvCxnSpPr>
-          <p:cNvPr id="19" name="Straight Arrow Connector 18"/>
-          <p:cNvCxnSpPr>
-            <a:stCxn id="15" idx="3"/>
-            <a:endCxn id="5" idx="1"/>
-          </p:cNvCxnSpPr>
-          <p:nvPr/>
-        </p:nvCxnSpPr>
-        <p:spPr>
-          <a:xfrm flipV="1">
-            <a:off x="4811424" y="601028"/>
-            <a:ext cx="965487" cy="5239"/>
-          </a:xfrm>
-          <a:prstGeom prst="straightConnector1">
-            <a:avLst/>
-          </a:prstGeom>
-          <a:ln w="28575">
-            <a:solidFill>
-              <a:schemeClr val="tx1"/>
-            </a:solidFill>
-            <a:tailEnd type="triangle"/>
-          </a:ln>
-        </p:spPr>
-        <p:style>
-          <a:lnRef idx="1">
-            <a:schemeClr val="accent1"/>
-          </a:lnRef>
-          <a:fillRef idx="0">
-            <a:schemeClr val="accent1"/>
-          </a:fillRef>
-          <a:effectRef idx="0">
-            <a:schemeClr val="accent1"/>
-          </a:effectRef>
-          <a:fontRef idx="minor">
-            <a:schemeClr val="tx1"/>
-          </a:fontRef>
-        </p:style>
-      </p:cxnSp>
-      <p:cxnSp>
-        <p:nvCxnSpPr>
-          <p:cNvPr id="21" name="Straight Arrow Connector 20"/>
-          <p:cNvCxnSpPr>
-            <a:stCxn id="16" idx="1"/>
-            <a:endCxn id="5" idx="3"/>
-          </p:cNvCxnSpPr>
-          <p:nvPr/>
-        </p:nvCxnSpPr>
-        <p:spPr>
-          <a:xfrm flipH="1" flipV="1">
-            <a:off x="6938961" y="601028"/>
-            <a:ext cx="2154870" cy="7740"/>
-          </a:xfrm>
-          <a:prstGeom prst="straightConnector1">
-            <a:avLst/>
-          </a:prstGeom>
-          <a:ln w="28575">
-            <a:solidFill>
-              <a:schemeClr val="tx1"/>
-            </a:solidFill>
-            <a:tailEnd type="triangle"/>
-          </a:ln>
-        </p:spPr>
-        <p:style>
-          <a:lnRef idx="1">
-            <a:schemeClr val="accent1"/>
-          </a:lnRef>
-          <a:fillRef idx="0">
-            <a:schemeClr val="accent1"/>
-          </a:fillRef>
-          <a:effectRef idx="0">
-            <a:schemeClr val="accent1"/>
-          </a:effectRef>
-          <a:fontRef idx="minor">
-            <a:schemeClr val="tx1"/>
-          </a:fontRef>
-        </p:style>
-      </p:cxnSp>
-      <p:cxnSp>
-        <p:nvCxnSpPr>
-          <p:cNvPr id="24" name="Straight Arrow Connector 23"/>
-          <p:cNvCxnSpPr>
-            <a:stCxn id="6" idx="2"/>
-            <a:endCxn id="8" idx="0"/>
-          </p:cNvCxnSpPr>
-          <p:nvPr/>
-        </p:nvCxnSpPr>
-        <p:spPr>
-          <a:xfrm>
-            <a:off x="3795711" y="2665572"/>
-            <a:ext cx="2562226" cy="858678"/>
-          </a:xfrm>
-          <a:prstGeom prst="straightConnector1">
-            <a:avLst/>
-          </a:prstGeom>
-          <a:ln w="28575">
-            <a:solidFill>
-              <a:schemeClr val="tx1"/>
-            </a:solidFill>
-            <a:tailEnd type="triangle"/>
-          </a:ln>
-        </p:spPr>
-        <p:style>
-          <a:lnRef idx="1">
-            <a:schemeClr val="accent1"/>
-          </a:lnRef>
-          <a:fillRef idx="0">
-            <a:schemeClr val="accent1"/>
-          </a:fillRef>
-          <a:effectRef idx="0">
-            <a:schemeClr val="accent1"/>
-          </a:effectRef>
-          <a:fontRef idx="minor">
-            <a:schemeClr val="tx1"/>
-          </a:fontRef>
-        </p:style>
-      </p:cxnSp>
-      <p:cxnSp>
-        <p:nvCxnSpPr>
-          <p:cNvPr id="26" name="Straight Arrow Connector 25"/>
-          <p:cNvCxnSpPr>
-            <a:stCxn id="7" idx="2"/>
-            <a:endCxn id="8" idx="0"/>
-          </p:cNvCxnSpPr>
-          <p:nvPr/>
-        </p:nvCxnSpPr>
-        <p:spPr>
-          <a:xfrm flipH="1">
-            <a:off x="6357937" y="2665572"/>
-            <a:ext cx="2562224" cy="858678"/>
-          </a:xfrm>
-          <a:prstGeom prst="straightConnector1">
-            <a:avLst/>
-          </a:prstGeom>
-          <a:ln w="28575">
-            <a:solidFill>
-              <a:schemeClr val="tx1"/>
-            </a:solidFill>
-            <a:tailEnd type="triangle"/>
-          </a:ln>
-        </p:spPr>
-        <p:style>
-          <a:lnRef idx="1">
-            <a:schemeClr val="accent1"/>
-          </a:lnRef>
-          <a:fillRef idx="0">
-            <a:schemeClr val="accent1"/>
-          </a:fillRef>
-          <a:effectRef idx="0">
-            <a:schemeClr val="accent1"/>
-          </a:effectRef>
-          <a:fontRef idx="minor">
-            <a:schemeClr val="tx1"/>
-          </a:fontRef>
-        </p:style>
-      </p:cxnSp>
-      <p:cxnSp>
-        <p:nvCxnSpPr>
-          <p:cNvPr id="35" name="Straight Arrow Connector 34"/>
-          <p:cNvCxnSpPr/>
-          <p:nvPr/>
-        </p:nvCxnSpPr>
-        <p:spPr>
-          <a:xfrm>
-            <a:off x="6348408" y="4152901"/>
-            <a:ext cx="0" cy="392667"/>
-          </a:xfrm>
-          <a:prstGeom prst="straightConnector1">
-            <a:avLst/>
-          </a:prstGeom>
-          <a:ln w="28575">
-            <a:solidFill>
-              <a:schemeClr val="tx1"/>
-            </a:solidFill>
-            <a:tailEnd type="triangle"/>
-          </a:ln>
-        </p:spPr>
-        <p:style>
-          <a:lnRef idx="1">
-            <a:schemeClr val="accent1"/>
-          </a:lnRef>
-          <a:fillRef idx="0">
-            <a:schemeClr val="accent1"/>
-          </a:fillRef>
-          <a:effectRef idx="0">
-            <a:schemeClr val="accent1"/>
-          </a:effectRef>
-          <a:fontRef idx="minor">
-            <a:schemeClr val="tx1"/>
-          </a:fontRef>
-        </p:style>
-      </p:cxnSp>
-      <p:cxnSp>
-        <p:nvCxnSpPr>
-          <p:cNvPr id="37" name="Straight Arrow Connector 36"/>
-          <p:cNvCxnSpPr/>
-          <p:nvPr/>
-        </p:nvCxnSpPr>
-        <p:spPr>
-          <a:xfrm flipH="1">
-            <a:off x="6348408" y="4914900"/>
-            <a:ext cx="4764" cy="476250"/>
-          </a:xfrm>
-          <a:prstGeom prst="straightConnector1">
-            <a:avLst/>
-          </a:prstGeom>
-          <a:ln w="28575">
-            <a:solidFill>
-              <a:schemeClr val="tx1"/>
-            </a:solidFill>
-            <a:tailEnd type="triangle"/>
-          </a:ln>
-        </p:spPr>
-        <p:style>
-          <a:lnRef idx="1">
-            <a:schemeClr val="accent1"/>
-          </a:lnRef>
-          <a:fillRef idx="0">
-            <a:schemeClr val="accent1"/>
-          </a:fillRef>
-          <a:effectRef idx="0">
-            <a:schemeClr val="accent1"/>
-          </a:effectRef>
-          <a:fontRef idx="minor">
-            <a:schemeClr val="tx1"/>
-          </a:fontRef>
-        </p:style>
-      </p:cxnSp>
-      <p:cxnSp>
-        <p:nvCxnSpPr>
-          <p:cNvPr id="40" name="Straight Arrow Connector 39"/>
-          <p:cNvCxnSpPr>
-            <a:stCxn id="5" idx="2"/>
-            <a:endCxn id="6" idx="0"/>
-          </p:cNvCxnSpPr>
-          <p:nvPr/>
-        </p:nvCxnSpPr>
-        <p:spPr>
-          <a:xfrm flipH="1">
-            <a:off x="3795711" y="915353"/>
-            <a:ext cx="2562225" cy="1121569"/>
-          </a:xfrm>
-          <a:prstGeom prst="straightConnector1">
-            <a:avLst/>
-          </a:prstGeom>
-          <a:ln w="28575">
-            <a:solidFill>
-              <a:schemeClr val="tx1"/>
-            </a:solidFill>
-            <a:tailEnd type="triangle"/>
-          </a:ln>
-        </p:spPr>
-        <p:style>
-          <a:lnRef idx="1">
-            <a:schemeClr val="accent1"/>
-          </a:lnRef>
-          <a:fillRef idx="0">
-            <a:schemeClr val="accent1"/>
-          </a:fillRef>
-          <a:effectRef idx="0">
-            <a:schemeClr val="accent1"/>
-          </a:effectRef>
-          <a:fontRef idx="minor">
-            <a:schemeClr val="tx1"/>
-          </a:fontRef>
-        </p:style>
-      </p:cxnSp>
-      <p:cxnSp>
-        <p:nvCxnSpPr>
-          <p:cNvPr id="43" name="Straight Arrow Connector 42"/>
-          <p:cNvCxnSpPr>
-            <a:stCxn id="5" idx="2"/>
-            <a:endCxn id="7" idx="0"/>
-          </p:cNvCxnSpPr>
-          <p:nvPr/>
-        </p:nvCxnSpPr>
-        <p:spPr>
-          <a:xfrm>
-            <a:off x="6357936" y="915353"/>
-            <a:ext cx="2562225" cy="1121569"/>
-          </a:xfrm>
-          <a:prstGeom prst="straightConnector1">
-            <a:avLst/>
-          </a:prstGeom>
-          <a:ln w="28575">
-            <a:solidFill>
-              <a:schemeClr val="tx1"/>
-            </a:solidFill>
-            <a:tailEnd type="triangle"/>
-          </a:ln>
-        </p:spPr>
-        <p:style>
-          <a:lnRef idx="1">
-            <a:schemeClr val="accent1"/>
-          </a:lnRef>
-          <a:fillRef idx="0">
-            <a:schemeClr val="accent1"/>
-          </a:fillRef>
-          <a:effectRef idx="0">
-            <a:schemeClr val="accent1"/>
-          </a:effectRef>
-          <a:fontRef idx="minor">
-            <a:schemeClr val="tx1"/>
-          </a:fontRef>
-        </p:style>
-      </p:cxnSp>
-      <p:cxnSp>
-        <p:nvCxnSpPr>
-          <p:cNvPr id="46" name="Straight Connector 45"/>
-          <p:cNvCxnSpPr>
-            <a:stCxn id="11" idx="3"/>
-          </p:cNvCxnSpPr>
-          <p:nvPr/>
-        </p:nvCxnSpPr>
-        <p:spPr>
-          <a:xfrm>
-            <a:off x="2352674" y="1866424"/>
-            <a:ext cx="238123" cy="155734"/>
-          </a:xfrm>
-          <a:prstGeom prst="line">
-            <a:avLst/>
-          </a:prstGeom>
-        </p:spPr>
-        <p:style>
-          <a:lnRef idx="1">
-            <a:schemeClr val="accent1"/>
-          </a:lnRef>
-          <a:fillRef idx="0">
-            <a:schemeClr val="accent1"/>
-          </a:fillRef>
-          <a:effectRef idx="0">
-            <a:schemeClr val="accent1"/>
-          </a:effectRef>
-          <a:fontRef idx="minor">
-            <a:schemeClr val="tx1"/>
-          </a:fontRef>
-        </p:style>
-      </p:cxnSp>
-      <p:cxnSp>
-        <p:nvCxnSpPr>
-          <p:cNvPr id="47" name="Straight Connector 46"/>
-          <p:cNvCxnSpPr/>
-          <p:nvPr/>
-        </p:nvCxnSpPr>
-        <p:spPr>
-          <a:xfrm>
-            <a:off x="3480292" y="1866424"/>
-            <a:ext cx="238123" cy="155734"/>
-          </a:xfrm>
-          <a:prstGeom prst="line">
-            <a:avLst/>
-          </a:prstGeom>
-        </p:spPr>
-        <p:style>
-          <a:lnRef idx="1">
-            <a:schemeClr val="accent1"/>
-          </a:lnRef>
-          <a:fillRef idx="0">
-            <a:schemeClr val="accent1"/>
-          </a:fillRef>
-          <a:effectRef idx="0">
-            <a:schemeClr val="accent1"/>
-          </a:effectRef>
-          <a:fontRef idx="minor">
-            <a:schemeClr val="tx1"/>
-          </a:fontRef>
-        </p:style>
-      </p:cxnSp>
-      <p:cxnSp>
-        <p:nvCxnSpPr>
-          <p:cNvPr id="48" name="Straight Connector 47"/>
-          <p:cNvCxnSpPr/>
-          <p:nvPr/>
-        </p:nvCxnSpPr>
-        <p:spPr>
-          <a:xfrm flipH="1">
-            <a:off x="10115547" y="1880890"/>
-            <a:ext cx="238129" cy="156032"/>
-          </a:xfrm>
-          <a:prstGeom prst="line">
-            <a:avLst/>
-          </a:prstGeom>
-        </p:spPr>
-        <p:style>
-          <a:lnRef idx="1">
-            <a:schemeClr val="accent1"/>
-          </a:lnRef>
-          <a:fillRef idx="0">
-            <a:schemeClr val="accent1"/>
-          </a:fillRef>
-          <a:effectRef idx="0">
-            <a:schemeClr val="accent1"/>
-          </a:effectRef>
-          <a:fontRef idx="minor">
-            <a:schemeClr val="tx1"/>
-          </a:fontRef>
-        </p:style>
-      </p:cxnSp>
-      <p:cxnSp>
-        <p:nvCxnSpPr>
-          <p:cNvPr id="76" name="Straight Connector 75"/>
-          <p:cNvCxnSpPr/>
-          <p:nvPr/>
-        </p:nvCxnSpPr>
-        <p:spPr>
-          <a:xfrm>
-            <a:off x="6938961" y="790933"/>
-            <a:ext cx="4241657" cy="0"/>
-          </a:xfrm>
-          <a:prstGeom prst="line">
-            <a:avLst/>
-          </a:prstGeom>
-          <a:ln w="25400">
-            <a:solidFill>
-              <a:schemeClr val="tx1"/>
-            </a:solidFill>
-            <a:prstDash val="sysDash"/>
-          </a:ln>
-        </p:spPr>
-        <p:style>
-          <a:lnRef idx="1">
-            <a:schemeClr val="accent1"/>
-          </a:lnRef>
-          <a:fillRef idx="0">
-            <a:schemeClr val="accent1"/>
-          </a:fillRef>
-          <a:effectRef idx="0">
-            <a:schemeClr val="accent1"/>
-          </a:effectRef>
-          <a:fontRef idx="minor">
-            <a:schemeClr val="tx1"/>
-          </a:fontRef>
-        </p:style>
-      </p:cxnSp>
-      <p:cxnSp>
-        <p:nvCxnSpPr>
-          <p:cNvPr id="78" name="Straight Connector 77"/>
-          <p:cNvCxnSpPr/>
-          <p:nvPr/>
-        </p:nvCxnSpPr>
-        <p:spPr>
-          <a:xfrm>
-            <a:off x="11180618" y="790933"/>
-            <a:ext cx="0" cy="3919612"/>
-          </a:xfrm>
-          <a:prstGeom prst="line">
-            <a:avLst/>
-          </a:prstGeom>
-          <a:ln w="25400">
-            <a:solidFill>
-              <a:schemeClr val="tx1"/>
-            </a:solidFill>
-            <a:prstDash val="sysDash"/>
-          </a:ln>
-        </p:spPr>
-        <p:style>
-          <a:lnRef idx="1">
-            <a:schemeClr val="accent1"/>
-          </a:lnRef>
-          <a:fillRef idx="0">
-            <a:schemeClr val="accent1"/>
-          </a:fillRef>
-          <a:effectRef idx="0">
-            <a:schemeClr val="accent1"/>
-          </a:effectRef>
-          <a:fontRef idx="minor">
-            <a:schemeClr val="tx1"/>
-          </a:fontRef>
-        </p:style>
-      </p:cxnSp>
-      <p:cxnSp>
-        <p:nvCxnSpPr>
-          <p:cNvPr id="80" name="Straight Connector 79"/>
-          <p:cNvCxnSpPr/>
-          <p:nvPr/>
-        </p:nvCxnSpPr>
-        <p:spPr>
-          <a:xfrm flipH="1">
-            <a:off x="7994073" y="4696691"/>
-            <a:ext cx="3186546" cy="13854"/>
-          </a:xfrm>
-          <a:prstGeom prst="line">
-            <a:avLst/>
-          </a:prstGeom>
-          <a:ln w="25400">
-            <a:solidFill>
-              <a:schemeClr val="tx1"/>
-            </a:solidFill>
-            <a:prstDash val="sysDash"/>
-          </a:ln>
-        </p:spPr>
-        <p:style>
-          <a:lnRef idx="1">
-            <a:schemeClr val="accent1"/>
-          </a:lnRef>
-          <a:fillRef idx="0">
-            <a:schemeClr val="accent1"/>
-          </a:fillRef>
-          <a:effectRef idx="0">
-            <a:schemeClr val="accent1"/>
-          </a:effectRef>
-          <a:fontRef idx="minor">
-            <a:schemeClr val="tx1"/>
-          </a:fontRef>
-        </p:style>
-      </p:cxnSp>
-      <p:cxnSp>
-        <p:nvCxnSpPr>
-          <p:cNvPr id="82" name="Straight Arrow Connector 81"/>
-          <p:cNvCxnSpPr/>
-          <p:nvPr/>
-        </p:nvCxnSpPr>
-        <p:spPr>
-          <a:xfrm>
-            <a:off x="7994073" y="4710545"/>
-            <a:ext cx="0" cy="680605"/>
-          </a:xfrm>
-          <a:prstGeom prst="straightConnector1">
-            <a:avLst/>
-          </a:prstGeom>
-          <a:ln w="25400">
-            <a:solidFill>
-              <a:schemeClr val="tx1"/>
-            </a:solidFill>
-            <a:prstDash val="sysDash"/>
-            <a:tailEnd type="triangle"/>
-          </a:ln>
-        </p:spPr>
-        <p:style>
-          <a:lnRef idx="1">
-            <a:schemeClr val="accent1"/>
-          </a:lnRef>
-          <a:fillRef idx="0">
-            <a:schemeClr val="accent1"/>
-          </a:fillRef>
-          <a:effectRef idx="0">
-            <a:schemeClr val="accent1"/>
-          </a:effectRef>
-          <a:fontRef idx="minor">
-            <a:schemeClr val="tx1"/>
-          </a:fontRef>
-        </p:style>
-      </p:cxnSp>
+            <a:endParaRPr lang="en-US"/>
+          </a:p>
+        </p:txBody>
+      </p:sp>
     </p:spTree>
     <p:extLst>
       <p:ext uri="{BB962C8B-B14F-4D97-AF65-F5344CB8AC3E}">
